--- a/slides/apresentacao.pptx
+++ b/slides/apresentacao.pptx
@@ -24,15 +24,15 @@
   <p:notesSz cx="6858000" cy="9144000"/>
   <p:embeddedFontLst>
     <p:embeddedFont>
-      <p:font typeface="Lexend Deca" panose="020B0604020202020204" charset="-78"/>
+      <p:font typeface="Calibri" panose="020F0502020204030204" pitchFamily="34" charset="0"/>
       <p:regular r:id="rId14"/>
+      <p:bold r:id="rId15"/>
+      <p:italic r:id="rId16"/>
+      <p:boldItalic r:id="rId17"/>
     </p:embeddedFont>
     <p:embeddedFont>
-      <p:font typeface="Calibri" panose="020F0502020204030204" pitchFamily="34" charset="0"/>
-      <p:regular r:id="rId15"/>
-      <p:bold r:id="rId16"/>
-      <p:italic r:id="rId17"/>
-      <p:boldItalic r:id="rId18"/>
+      <p:font typeface="Lexend Deca" panose="020B0604020202020204" charset="-78"/>
+      <p:regular r:id="rId18"/>
     </p:embeddedFont>
   </p:embeddedFontLst>
   <p:defaultTextStyle>
@@ -4952,6 +4952,13 @@
   <p:clrMapOvr>
     <a:masterClrMapping/>
   </p:clrMapOvr>
+  <p:timing>
+    <p:tnLst>
+      <p:par>
+        <p:cTn id="1" dur="indefinite" restart="never" nodeType="tmRoot"/>
+      </p:par>
+    </p:tnLst>
+  </p:timing>
 </p:sld>
 </file>
 
@@ -5158,6 +5165,13 @@
   <p:clrMapOvr>
     <a:masterClrMapping/>
   </p:clrMapOvr>
+  <p:timing>
+    <p:tnLst>
+      <p:par>
+        <p:cTn id="1" dur="indefinite" restart="never" nodeType="tmRoot"/>
+      </p:par>
+    </p:tnLst>
+  </p:timing>
 </p:sld>
 </file>
 
@@ -5423,6 +5437,13 @@
   <p:clrMapOvr>
     <a:masterClrMapping/>
   </p:clrMapOvr>
+  <p:timing>
+    <p:tnLst>
+      <p:par>
+        <p:cTn id="1" dur="indefinite" restart="never" nodeType="tmRoot"/>
+      </p:par>
+    </p:tnLst>
+  </p:timing>
 </p:sld>
 </file>
 
@@ -5720,6 +5741,13 @@
   <p:clrMapOvr>
     <a:masterClrMapping/>
   </p:clrMapOvr>
+  <p:timing>
+    <p:tnLst>
+      <p:par>
+        <p:cTn id="1" dur="indefinite" restart="never" nodeType="tmRoot"/>
+      </p:par>
+    </p:tnLst>
+  </p:timing>
 </p:sld>
 </file>
 
@@ -5871,6 +5899,13 @@
   <p:clrMapOvr>
     <a:masterClrMapping/>
   </p:clrMapOvr>
+  <p:timing>
+    <p:tnLst>
+      <p:par>
+        <p:cTn id="1" dur="indefinite" restart="never" nodeType="tmRoot"/>
+      </p:par>
+    </p:tnLst>
+  </p:timing>
 </p:sld>
 </file>
 
@@ -6143,6 +6178,13 @@
   <p:clrMapOvr>
     <a:masterClrMapping/>
   </p:clrMapOvr>
+  <p:timing>
+    <p:tnLst>
+      <p:par>
+        <p:cTn id="1" dur="indefinite" restart="never" nodeType="tmRoot"/>
+      </p:par>
+    </p:tnLst>
+  </p:timing>
 </p:sld>
 </file>
 
@@ -6340,6 +6382,13 @@
   <p:clrMapOvr>
     <a:masterClrMapping/>
   </p:clrMapOvr>
+  <p:timing>
+    <p:tnLst>
+      <p:par>
+        <p:cTn id="1" dur="indefinite" restart="never" nodeType="tmRoot"/>
+      </p:par>
+    </p:tnLst>
+  </p:timing>
 </p:sld>
 </file>
 
@@ -6507,6 +6556,13 @@
   <p:clrMapOvr>
     <a:masterClrMapping/>
   </p:clrMapOvr>
+  <p:timing>
+    <p:tnLst>
+      <p:par>
+        <p:cTn id="1" dur="indefinite" restart="never" nodeType="tmRoot"/>
+      </p:par>
+    </p:tnLst>
+  </p:timing>
 </p:sld>
 </file>
 
@@ -7059,6 +7115,13 @@
   <p:clrMapOvr>
     <a:masterClrMapping/>
   </p:clrMapOvr>
+  <p:timing>
+    <p:tnLst>
+      <p:par>
+        <p:cTn id="1" dur="indefinite" restart="never" nodeType="tmRoot"/>
+      </p:par>
+    </p:tnLst>
+  </p:timing>
 </p:sld>
 </file>
 
@@ -7165,11 +7228,7 @@
             </a:r>
             <a:r>
               <a:rPr lang="pt-BR" sz="1800" dirty="0" smtClean="0"/>
-              <a:t> para mudança de </a:t>
-            </a:r>
-            <a:r>
-              <a:rPr lang="pt-BR" sz="1800" dirty="0" smtClean="0"/>
-              <a:t>status</a:t>
+              <a:t> para mudança de status</a:t>
             </a:r>
           </a:p>
           <a:p>
@@ -7636,6 +7695,13 @@
   <p:clrMapOvr>
     <a:masterClrMapping/>
   </p:clrMapOvr>
+  <p:timing>
+    <p:tnLst>
+      <p:par>
+        <p:cTn id="1" dur="indefinite" restart="never" nodeType="tmRoot"/>
+      </p:par>
+    </p:tnLst>
+  </p:timing>
 </p:sld>
 </file>
 
@@ -7763,6 +7829,13 @@
   <p:clrMapOvr>
     <a:masterClrMapping/>
   </p:clrMapOvr>
+  <p:timing>
+    <p:tnLst>
+      <p:par>
+        <p:cTn id="1" dur="indefinite" restart="never" nodeType="tmRoot"/>
+      </p:par>
+    </p:tnLst>
+  </p:timing>
 </p:sld>
 </file>
 
